--- a/img/img_form.pptx
+++ b/img/img_form.pptx
@@ -6,6 +6,7 @@
   </p:sldMasterIdLst>
   <p:sldIdLst>
     <p:sldId id="256" r:id="rId2"/>
+    <p:sldId id="257" r:id="rId3"/>
   </p:sldIdLst>
   <p:sldSz cx="12192000" cy="6858000"/>
   <p:notesSz cx="6858000" cy="9144000"/>
@@ -259,7 +260,7 @@
           <a:p>
             <a:fld id="{E5A78FFA-4500-4671-8E26-23A2615B1798}" type="datetimeFigureOut">
               <a:rPr lang="zh-CN" altLang="en-US" smtClean="0"/>
-              <a:t>2020-06-05</a:t>
+              <a:t>2020-06-06</a:t>
             </a:fld>
             <a:endParaRPr lang="zh-CN" altLang="en-US"/>
           </a:p>
@@ -457,7 +458,7 @@
           <a:p>
             <a:fld id="{E5A78FFA-4500-4671-8E26-23A2615B1798}" type="datetimeFigureOut">
               <a:rPr lang="zh-CN" altLang="en-US" smtClean="0"/>
-              <a:t>2020-06-05</a:t>
+              <a:t>2020-06-06</a:t>
             </a:fld>
             <a:endParaRPr lang="zh-CN" altLang="en-US"/>
           </a:p>
@@ -665,7 +666,7 @@
           <a:p>
             <a:fld id="{E5A78FFA-4500-4671-8E26-23A2615B1798}" type="datetimeFigureOut">
               <a:rPr lang="zh-CN" altLang="en-US" smtClean="0"/>
-              <a:t>2020-06-05</a:t>
+              <a:t>2020-06-06</a:t>
             </a:fld>
             <a:endParaRPr lang="zh-CN" altLang="en-US"/>
           </a:p>
@@ -863,7 +864,7 @@
           <a:p>
             <a:fld id="{E5A78FFA-4500-4671-8E26-23A2615B1798}" type="datetimeFigureOut">
               <a:rPr lang="zh-CN" altLang="en-US" smtClean="0"/>
-              <a:t>2020-06-05</a:t>
+              <a:t>2020-06-06</a:t>
             </a:fld>
             <a:endParaRPr lang="zh-CN" altLang="en-US"/>
           </a:p>
@@ -1138,7 +1139,7 @@
           <a:p>
             <a:fld id="{E5A78FFA-4500-4671-8E26-23A2615B1798}" type="datetimeFigureOut">
               <a:rPr lang="zh-CN" altLang="en-US" smtClean="0"/>
-              <a:t>2020-06-05</a:t>
+              <a:t>2020-06-06</a:t>
             </a:fld>
             <a:endParaRPr lang="zh-CN" altLang="en-US"/>
           </a:p>
@@ -1403,7 +1404,7 @@
           <a:p>
             <a:fld id="{E5A78FFA-4500-4671-8E26-23A2615B1798}" type="datetimeFigureOut">
               <a:rPr lang="zh-CN" altLang="en-US" smtClean="0"/>
-              <a:t>2020-06-05</a:t>
+              <a:t>2020-06-06</a:t>
             </a:fld>
             <a:endParaRPr lang="zh-CN" altLang="en-US"/>
           </a:p>
@@ -1815,7 +1816,7 @@
           <a:p>
             <a:fld id="{E5A78FFA-4500-4671-8E26-23A2615B1798}" type="datetimeFigureOut">
               <a:rPr lang="zh-CN" altLang="en-US" smtClean="0"/>
-              <a:t>2020-06-05</a:t>
+              <a:t>2020-06-06</a:t>
             </a:fld>
             <a:endParaRPr lang="zh-CN" altLang="en-US"/>
           </a:p>
@@ -1956,7 +1957,7 @@
           <a:p>
             <a:fld id="{E5A78FFA-4500-4671-8E26-23A2615B1798}" type="datetimeFigureOut">
               <a:rPr lang="zh-CN" altLang="en-US" smtClean="0"/>
-              <a:t>2020-06-05</a:t>
+              <a:t>2020-06-06</a:t>
             </a:fld>
             <a:endParaRPr lang="zh-CN" altLang="en-US"/>
           </a:p>
@@ -2069,7 +2070,7 @@
           <a:p>
             <a:fld id="{E5A78FFA-4500-4671-8E26-23A2615B1798}" type="datetimeFigureOut">
               <a:rPr lang="zh-CN" altLang="en-US" smtClean="0"/>
-              <a:t>2020-06-05</a:t>
+              <a:t>2020-06-06</a:t>
             </a:fld>
             <a:endParaRPr lang="zh-CN" altLang="en-US"/>
           </a:p>
@@ -2380,7 +2381,7 @@
           <a:p>
             <a:fld id="{E5A78FFA-4500-4671-8E26-23A2615B1798}" type="datetimeFigureOut">
               <a:rPr lang="zh-CN" altLang="en-US" smtClean="0"/>
-              <a:t>2020-06-05</a:t>
+              <a:t>2020-06-06</a:t>
             </a:fld>
             <a:endParaRPr lang="zh-CN" altLang="en-US"/>
           </a:p>
@@ -2668,7 +2669,7 @@
           <a:p>
             <a:fld id="{E5A78FFA-4500-4671-8E26-23A2615B1798}" type="datetimeFigureOut">
               <a:rPr lang="zh-CN" altLang="en-US" smtClean="0"/>
-              <a:t>2020-06-05</a:t>
+              <a:t>2020-06-06</a:t>
             </a:fld>
             <a:endParaRPr lang="zh-CN" altLang="en-US"/>
           </a:p>
@@ -2909,7 +2910,7 @@
           <a:p>
             <a:fld id="{E5A78FFA-4500-4671-8E26-23A2615B1798}" type="datetimeFigureOut">
               <a:rPr lang="zh-CN" altLang="en-US" smtClean="0"/>
-              <a:t>2020-06-05</a:t>
+              <a:t>2020-06-06</a:t>
             </a:fld>
             <a:endParaRPr lang="zh-CN" altLang="en-US"/>
           </a:p>
@@ -3426,78 +3427,6 @@
           </a:p>
         </p:txBody>
       </p:sp>
-      <p:sp>
-        <p:nvSpPr>
-          <p:cNvPr id="7" name="椭圆 6">
-            <a:extLst>
-              <a:ext uri="{FF2B5EF4-FFF2-40B4-BE49-F238E27FC236}">
-                <a16:creationId xmlns:a16="http://schemas.microsoft.com/office/drawing/2014/main" id="{641AAE06-CED2-4EB4-B62A-1B04280D61D5}"/>
-              </a:ext>
-            </a:extLst>
-          </p:cNvPr>
-          <p:cNvSpPr/>
-          <p:nvPr/>
-        </p:nvSpPr>
-        <p:spPr>
-          <a:xfrm>
-            <a:off x="3555642" y="3593301"/>
-            <a:ext cx="2139951" cy="2139951"/>
-          </a:xfrm>
-          <a:prstGeom prst="ellipse">
-            <a:avLst/>
-          </a:prstGeom>
-          <a:solidFill>
-            <a:schemeClr val="accent1">
-              <a:lumMod val="75000"/>
-            </a:schemeClr>
-          </a:solidFill>
-          <a:ln>
-            <a:noFill/>
-          </a:ln>
-        </p:spPr>
-        <p:style>
-          <a:lnRef idx="2">
-            <a:schemeClr val="accent1">
-              <a:shade val="50000"/>
-            </a:schemeClr>
-          </a:lnRef>
-          <a:fillRef idx="1">
-            <a:schemeClr val="accent1"/>
-          </a:fillRef>
-          <a:effectRef idx="0">
-            <a:schemeClr val="accent1"/>
-          </a:effectRef>
-          <a:fontRef idx="minor">
-            <a:schemeClr val="lt1"/>
-          </a:fontRef>
-        </p:style>
-        <p:txBody>
-          <a:bodyPr rtlCol="0" anchor="ctr"/>
-          <a:lstStyle/>
-          <a:p>
-            <a:pPr algn="ctr"/>
-            <a:endParaRPr lang="zh-CN" altLang="en-US" b="1" dirty="0">
-              <a:ln w="10160">
-                <a:solidFill>
-                  <a:schemeClr val="accent5"/>
-                </a:solidFill>
-                <a:prstDash val="solid"/>
-              </a:ln>
-              <a:solidFill>
-                <a:srgbClr val="FFFFFF"/>
-              </a:solidFill>
-              <a:effectLst>
-                <a:outerShdw blurRad="38100" dist="22860" dir="5400000" algn="tl" rotWithShape="0">
-                  <a:srgbClr val="000000">
-                    <a:alpha val="30000"/>
-                  </a:srgbClr>
-                </a:outerShdw>
-              </a:effectLst>
-              <a:latin typeface="LM Mono 10" panose="00000509000000000000" pitchFamily="49" charset="0"/>
-            </a:endParaRPr>
-          </a:p>
-        </p:txBody>
-      </p:sp>
       <p:grpSp>
         <p:nvGrpSpPr>
           <p:cNvPr id="10" name="组合 9">
@@ -3784,36 +3713,77 @@
           </mc:Fallback>
         </mc:AlternateContent>
       </p:grpSp>
-      <p:sp>
-        <p:nvSpPr>
-          <p:cNvPr id="9" name="矩形 8">
-            <a:extLst>
-              <a:ext uri="{FF2B5EF4-FFF2-40B4-BE49-F238E27FC236}">
-                <a16:creationId xmlns:a16="http://schemas.microsoft.com/office/drawing/2014/main" id="{A4C7972F-6B92-400B-ADB5-97F724BE3966}"/>
-              </a:ext>
-            </a:extLst>
-          </p:cNvPr>
-          <p:cNvSpPr/>
+      <p:grpSp>
+        <p:nvGrpSpPr>
+          <p:cNvPr id="3" name="组合 2">
+            <a:extLst>
+              <a:ext uri="{FF2B5EF4-FFF2-40B4-BE49-F238E27FC236}">
+                <a16:creationId xmlns:a16="http://schemas.microsoft.com/office/drawing/2014/main" id="{B1C3C5EA-9EB2-40C0-B72E-C411AB13C81B}"/>
+              </a:ext>
+            </a:extLst>
+          </p:cNvPr>
+          <p:cNvGrpSpPr/>
           <p:nvPr/>
-        </p:nvSpPr>
-        <p:spPr>
+        </p:nvGrpSpPr>
+        <p:grpSpPr>
           <a:xfrm>
-            <a:off x="3708835" y="4070259"/>
-            <a:ext cx="1752221" cy="1200329"/>
+            <a:off x="3555642" y="3593301"/>
+            <a:ext cx="2139951" cy="2139951"/>
+            <a:chOff x="3555642" y="3593301"/>
+            <a:chExt cx="2139951" cy="2139951"/>
           </a:xfrm>
-          <a:prstGeom prst="rect">
-            <a:avLst/>
-          </a:prstGeom>
-        </p:spPr>
-        <p:txBody>
-          <a:bodyPr wrap="square">
-            <a:spAutoFit/>
-          </a:bodyPr>
-          <a:lstStyle/>
-          <a:p>
-            <a:pPr algn="ctr"/>
-            <a:r>
-              <a:rPr lang="en-US" altLang="zh-CN" sz="7200" b="1" kern="600" spc="-300" dirty="0">
+        </p:grpSpPr>
+        <p:sp>
+          <p:nvSpPr>
+            <p:cNvPr id="7" name="椭圆 6">
+              <a:extLst>
+                <a:ext uri="{FF2B5EF4-FFF2-40B4-BE49-F238E27FC236}">
+                  <a16:creationId xmlns:a16="http://schemas.microsoft.com/office/drawing/2014/main" id="{641AAE06-CED2-4EB4-B62A-1B04280D61D5}"/>
+                </a:ext>
+              </a:extLst>
+            </p:cNvPr>
+            <p:cNvSpPr/>
+            <p:nvPr/>
+          </p:nvSpPr>
+          <p:spPr>
+            <a:xfrm>
+              <a:off x="3555642" y="3593301"/>
+              <a:ext cx="2139951" cy="2139951"/>
+            </a:xfrm>
+            <a:prstGeom prst="ellipse">
+              <a:avLst/>
+            </a:prstGeom>
+            <a:solidFill>
+              <a:schemeClr val="accent1">
+                <a:lumMod val="75000"/>
+              </a:schemeClr>
+            </a:solidFill>
+            <a:ln>
+              <a:noFill/>
+            </a:ln>
+          </p:spPr>
+          <p:style>
+            <a:lnRef idx="2">
+              <a:schemeClr val="accent1">
+                <a:shade val="50000"/>
+              </a:schemeClr>
+            </a:lnRef>
+            <a:fillRef idx="1">
+              <a:schemeClr val="accent1"/>
+            </a:fillRef>
+            <a:effectRef idx="0">
+              <a:schemeClr val="accent1"/>
+            </a:effectRef>
+            <a:fontRef idx="minor">
+              <a:schemeClr val="lt1"/>
+            </a:fontRef>
+          </p:style>
+          <p:txBody>
+            <a:bodyPr rtlCol="0" anchor="ctr"/>
+            <a:lstStyle/>
+            <a:p>
+              <a:pPr algn="ctr"/>
+              <a:endParaRPr lang="zh-CN" altLang="en-US" b="1" dirty="0">
                 <a:ln w="10160">
                   <a:solidFill>
                     <a:schemeClr val="accent5"/>
@@ -3831,49 +3801,278 @@
                   </a:outerShdw>
                 </a:effectLst>
                 <a:latin typeface="LM Mono 10" panose="00000509000000000000" pitchFamily="49" charset="0"/>
-              </a:rPr>
-              <a:t>&lt;/&gt;</a:t>
-            </a:r>
-            <a:endParaRPr lang="zh-CN" altLang="en-US" sz="7200" b="1" kern="600" spc="-300" dirty="0">
-              <a:ln w="10160">
+              </a:endParaRPr>
+            </a:p>
+          </p:txBody>
+        </p:sp>
+        <p:sp>
+          <p:nvSpPr>
+            <p:cNvPr id="9" name="矩形 8">
+              <a:extLst>
+                <a:ext uri="{FF2B5EF4-FFF2-40B4-BE49-F238E27FC236}">
+                  <a16:creationId xmlns:a16="http://schemas.microsoft.com/office/drawing/2014/main" id="{A4C7972F-6B92-400B-ADB5-97F724BE3966}"/>
+                </a:ext>
+              </a:extLst>
+            </p:cNvPr>
+            <p:cNvSpPr/>
+            <p:nvPr/>
+          </p:nvSpPr>
+          <p:spPr>
+            <a:xfrm>
+              <a:off x="3708835" y="4070259"/>
+              <a:ext cx="1752221" cy="1200329"/>
+            </a:xfrm>
+            <a:prstGeom prst="rect">
+              <a:avLst/>
+            </a:prstGeom>
+          </p:spPr>
+          <p:txBody>
+            <a:bodyPr wrap="square">
+              <a:spAutoFit/>
+            </a:bodyPr>
+            <a:lstStyle/>
+            <a:p>
+              <a:pPr algn="ctr"/>
+              <a:r>
+                <a:rPr lang="en-US" altLang="zh-CN" sz="7200" b="1" kern="600" spc="-300" dirty="0">
+                  <a:ln w="10160">
+                    <a:solidFill>
+                      <a:schemeClr val="accent5"/>
+                    </a:solidFill>
+                    <a:prstDash val="solid"/>
+                  </a:ln>
+                  <a:solidFill>
+                    <a:srgbClr val="FFFFFF"/>
+                  </a:solidFill>
+                  <a:effectLst>
+                    <a:outerShdw blurRad="38100" dist="22860" dir="5400000" algn="tl" rotWithShape="0">
+                      <a:srgbClr val="000000">
+                        <a:alpha val="30000"/>
+                      </a:srgbClr>
+                    </a:outerShdw>
+                  </a:effectLst>
+                  <a:latin typeface="LM Mono 10" panose="00000509000000000000" pitchFamily="49" charset="0"/>
+                </a:rPr>
+                <a:t>&lt;/&gt;</a:t>
+              </a:r>
+              <a:endParaRPr lang="zh-CN" altLang="en-US" sz="7200" b="1" kern="600" spc="-300" dirty="0">
+                <a:ln w="10160">
+                  <a:solidFill>
+                    <a:schemeClr val="accent5"/>
+                  </a:solidFill>
+                  <a:prstDash val="solid"/>
+                </a:ln>
                 <a:solidFill>
-                  <a:schemeClr val="accent5"/>
+                  <a:srgbClr val="FFFFFF"/>
                 </a:solidFill>
-                <a:prstDash val="solid"/>
-              </a:ln>
-              <a:solidFill>
-                <a:srgbClr val="FFFFFF"/>
-              </a:solidFill>
-              <a:effectLst>
-                <a:outerShdw blurRad="38100" dist="22860" dir="5400000" algn="tl" rotWithShape="0">
-                  <a:srgbClr val="000000">
-                    <a:alpha val="30000"/>
-                  </a:srgbClr>
-                </a:outerShdw>
-              </a:effectLst>
-              <a:latin typeface="LM Mono 10" panose="00000509000000000000" pitchFamily="49" charset="0"/>
-            </a:endParaRPr>
-          </a:p>
-        </p:txBody>
-      </p:sp>
-      <p:sp>
-        <p:nvSpPr>
-          <p:cNvPr id="12" name="椭圆 11">
-            <a:extLst>
-              <a:ext uri="{FF2B5EF4-FFF2-40B4-BE49-F238E27FC236}">
-                <a16:creationId xmlns:a16="http://schemas.microsoft.com/office/drawing/2014/main" id="{73D55BF2-F52C-4C4D-9CA1-4BEB88BF83CE}"/>
-              </a:ext>
-            </a:extLst>
-          </p:cNvPr>
-          <p:cNvSpPr/>
+                <a:effectLst>
+                  <a:outerShdw blurRad="38100" dist="22860" dir="5400000" algn="tl" rotWithShape="0">
+                    <a:srgbClr val="000000">
+                      <a:alpha val="30000"/>
+                    </a:srgbClr>
+                  </a:outerShdw>
+                </a:effectLst>
+                <a:latin typeface="LM Mono 10" panose="00000509000000000000" pitchFamily="49" charset="0"/>
+              </a:endParaRPr>
+            </a:p>
+          </p:txBody>
+        </p:sp>
+      </p:grpSp>
+      <p:grpSp>
+        <p:nvGrpSpPr>
+          <p:cNvPr id="2" name="组合 1">
+            <a:extLst>
+              <a:ext uri="{FF2B5EF4-FFF2-40B4-BE49-F238E27FC236}">
+                <a16:creationId xmlns:a16="http://schemas.microsoft.com/office/drawing/2014/main" id="{795E8273-D7CD-4A00-802D-13569DBE75C7}"/>
+              </a:ext>
+            </a:extLst>
+          </p:cNvPr>
+          <p:cNvGrpSpPr/>
           <p:nvPr/>
-        </p:nvSpPr>
-        <p:spPr>
+        </p:nvGrpSpPr>
+        <p:grpSpPr>
           <a:xfrm>
             <a:off x="482532" y="3252851"/>
             <a:ext cx="2139951" cy="2139951"/>
+            <a:chOff x="482532" y="3252851"/>
+            <a:chExt cx="2139951" cy="2139951"/>
           </a:xfrm>
-          <a:prstGeom prst="ellipse">
+        </p:grpSpPr>
+        <p:sp>
+          <p:nvSpPr>
+            <p:cNvPr id="12" name="椭圆 11">
+              <a:extLst>
+                <a:ext uri="{FF2B5EF4-FFF2-40B4-BE49-F238E27FC236}">
+                  <a16:creationId xmlns:a16="http://schemas.microsoft.com/office/drawing/2014/main" id="{73D55BF2-F52C-4C4D-9CA1-4BEB88BF83CE}"/>
+                </a:ext>
+              </a:extLst>
+            </p:cNvPr>
+            <p:cNvSpPr/>
+            <p:nvPr/>
+          </p:nvSpPr>
+          <p:spPr>
+            <a:xfrm>
+              <a:off x="482532" y="3252851"/>
+              <a:ext cx="2139951" cy="2139951"/>
+            </a:xfrm>
+            <a:prstGeom prst="ellipse">
+              <a:avLst/>
+            </a:prstGeom>
+            <a:solidFill>
+              <a:schemeClr val="accent1">
+                <a:lumMod val="75000"/>
+              </a:schemeClr>
+            </a:solidFill>
+            <a:ln>
+              <a:noFill/>
+            </a:ln>
+          </p:spPr>
+          <p:style>
+            <a:lnRef idx="2">
+              <a:schemeClr val="accent1">
+                <a:shade val="50000"/>
+              </a:schemeClr>
+            </a:lnRef>
+            <a:fillRef idx="1">
+              <a:schemeClr val="accent1"/>
+            </a:fillRef>
+            <a:effectRef idx="0">
+              <a:schemeClr val="accent1"/>
+            </a:effectRef>
+            <a:fontRef idx="minor">
+              <a:schemeClr val="lt1"/>
+            </a:fontRef>
+          </p:style>
+          <p:txBody>
+            <a:bodyPr rtlCol="0" anchor="ctr"/>
+            <a:lstStyle/>
+            <a:p>
+              <a:pPr algn="ctr"/>
+              <a:endParaRPr lang="zh-CN" altLang="en-US" b="1" dirty="0">
+                <a:ln w="10160">
+                  <a:solidFill>
+                    <a:schemeClr val="accent5"/>
+                  </a:solidFill>
+                  <a:prstDash val="solid"/>
+                </a:ln>
+                <a:solidFill>
+                  <a:srgbClr val="FFFFFF"/>
+                </a:solidFill>
+                <a:effectLst>
+                  <a:outerShdw blurRad="38100" dist="22860" dir="5400000" algn="tl" rotWithShape="0">
+                    <a:srgbClr val="000000">
+                      <a:alpha val="30000"/>
+                    </a:srgbClr>
+                  </a:outerShdw>
+                </a:effectLst>
+                <a:latin typeface="LM Mono 10" panose="00000509000000000000" pitchFamily="49" charset="0"/>
+              </a:endParaRPr>
+            </a:p>
+          </p:txBody>
+        </p:sp>
+        <p:sp>
+          <p:nvSpPr>
+            <p:cNvPr id="13" name="矩形 12">
+              <a:extLst>
+                <a:ext uri="{FF2B5EF4-FFF2-40B4-BE49-F238E27FC236}">
+                  <a16:creationId xmlns:a16="http://schemas.microsoft.com/office/drawing/2014/main" id="{2EA7D14D-B20A-4ED3-8A90-8B73B6A0B51B}"/>
+                </a:ext>
+              </a:extLst>
+            </p:cNvPr>
+            <p:cNvSpPr/>
+            <p:nvPr/>
+          </p:nvSpPr>
+          <p:spPr>
+            <a:xfrm>
+              <a:off x="598616" y="3756002"/>
+              <a:ext cx="1752221" cy="1200329"/>
+            </a:xfrm>
+            <a:prstGeom prst="rect">
+              <a:avLst/>
+            </a:prstGeom>
+          </p:spPr>
+          <p:txBody>
+            <a:bodyPr wrap="square">
+              <a:spAutoFit/>
+            </a:bodyPr>
+            <a:lstStyle/>
+            <a:p>
+              <a:pPr algn="ctr"/>
+              <a:r>
+                <a:rPr lang="zh-CN" altLang="en-US" sz="7200" b="1" kern="600" spc="-300" dirty="0">
+                  <a:ln w="10160">
+                    <a:solidFill>
+                      <a:schemeClr val="accent5"/>
+                    </a:solidFill>
+                    <a:prstDash val="solid"/>
+                  </a:ln>
+                  <a:solidFill>
+                    <a:srgbClr val="FFFFFF"/>
+                  </a:solidFill>
+                  <a:effectLst>
+                    <a:outerShdw blurRad="38100" dist="22860" dir="5400000" algn="tl" rotWithShape="0">
+                      <a:srgbClr val="000000">
+                        <a:alpha val="30000"/>
+                      </a:srgbClr>
+                    </a:outerShdw>
+                  </a:effectLst>
+                  <a:latin typeface="Microsoft YaHei" panose="020B0503020204020204" pitchFamily="34" charset="-122"/>
+                  <a:ea typeface="Microsoft YaHei" panose="020B0503020204020204" pitchFamily="34" charset="-122"/>
+                </a:rPr>
+                <a:t>域</a:t>
+              </a:r>
+            </a:p>
+          </p:txBody>
+        </p:sp>
+      </p:grpSp>
+    </p:spTree>
+    <p:extLst>
+      <p:ext uri="{BB962C8B-B14F-4D97-AF65-F5344CB8AC3E}">
+        <p14:creationId xmlns:p14="http://schemas.microsoft.com/office/powerpoint/2010/main" val="552086539"/>
+      </p:ext>
+    </p:extLst>
+  </p:cSld>
+  <p:clrMapOvr>
+    <a:masterClrMapping/>
+  </p:clrMapOvr>
+</p:sld>
+</file>
+
+<file path=ppt/slides/slide2.xml><?xml version="1.0" encoding="utf-8"?>
+<p:sld xmlns:a="http://schemas.openxmlformats.org/drawingml/2006/main" xmlns:r="http://schemas.openxmlformats.org/officeDocument/2006/relationships" xmlns:p="http://schemas.openxmlformats.org/presentationml/2006/main">
+  <p:cSld>
+    <p:spTree>
+      <p:nvGrpSpPr>
+        <p:cNvPr id="1" name=""/>
+        <p:cNvGrpSpPr/>
+        <p:nvPr/>
+      </p:nvGrpSpPr>
+      <p:grpSpPr>
+        <a:xfrm>
+          <a:off x="0" y="0"/>
+          <a:ext cx="0" cy="0"/>
+          <a:chOff x="0" y="0"/>
+          <a:chExt cx="0" cy="0"/>
+        </a:xfrm>
+      </p:grpSpPr>
+      <p:sp>
+        <p:nvSpPr>
+          <p:cNvPr id="2" name="矩形: 圆角 1">
+            <a:extLst>
+              <a:ext uri="{FF2B5EF4-FFF2-40B4-BE49-F238E27FC236}">
+                <a16:creationId xmlns:a16="http://schemas.microsoft.com/office/drawing/2014/main" id="{796B6CD5-3450-4640-AB67-1522F1F2B472}"/>
+              </a:ext>
+            </a:extLst>
+          </p:cNvPr>
+          <p:cNvSpPr/>
+          <p:nvPr/>
+        </p:nvSpPr>
+        <p:spPr>
+          <a:xfrm>
+            <a:off x="1219200" y="1323879"/>
+            <a:ext cx="1228436" cy="1228436"/>
+          </a:xfrm>
+          <a:prstGeom prst="roundRect">
             <a:avLst/>
           </a:prstGeom>
           <a:solidFill>
@@ -3906,34 +4105,32 @@
           <a:lstStyle/>
           <a:p>
             <a:pPr algn="ctr"/>
-            <a:endParaRPr lang="zh-CN" altLang="en-US" b="1" dirty="0">
-              <a:ln w="10160">
+            <a:r>
+              <a:rPr lang="zh-CN" altLang="en-US" sz="8000" b="1" dirty="0">
                 <a:solidFill>
-                  <a:schemeClr val="accent5"/>
+                  <a:schemeClr val="bg1"/>
                 </a:solidFill>
-                <a:prstDash val="solid"/>
-              </a:ln>
+                <a:latin typeface="微软雅黑" panose="020B0503020204020204" pitchFamily="34" charset="-122"/>
+                <a:ea typeface="微软雅黑" panose="020B0503020204020204" pitchFamily="34" charset="-122"/>
+              </a:rPr>
+              <a:t>中</a:t>
+            </a:r>
+            <a:endParaRPr lang="zh-CN" altLang="en-US" sz="3600" b="1" dirty="0">
               <a:solidFill>
-                <a:srgbClr val="FFFFFF"/>
+                <a:schemeClr val="bg1"/>
               </a:solidFill>
-              <a:effectLst>
-                <a:outerShdw blurRad="38100" dist="22860" dir="5400000" algn="tl" rotWithShape="0">
-                  <a:srgbClr val="000000">
-                    <a:alpha val="30000"/>
-                  </a:srgbClr>
-                </a:outerShdw>
-              </a:effectLst>
-              <a:latin typeface="LM Mono 10" panose="00000509000000000000" pitchFamily="49" charset="0"/>
+              <a:latin typeface="微软雅黑" panose="020B0503020204020204" pitchFamily="34" charset="-122"/>
+              <a:ea typeface="微软雅黑" panose="020B0503020204020204" pitchFamily="34" charset="-122"/>
             </a:endParaRPr>
           </a:p>
         </p:txBody>
       </p:sp>
       <p:sp>
         <p:nvSpPr>
-          <p:cNvPr id="13" name="矩形 12">
-            <a:extLst>
-              <a:ext uri="{FF2B5EF4-FFF2-40B4-BE49-F238E27FC236}">
-                <a16:creationId xmlns:a16="http://schemas.microsoft.com/office/drawing/2014/main" id="{2EA7D14D-B20A-4ED3-8A90-8B73B6A0B51B}"/>
+          <p:cNvPr id="3" name="矩形: 圆角 2">
+            <a:extLst>
+              <a:ext uri="{FF2B5EF4-FFF2-40B4-BE49-F238E27FC236}">
+                <a16:creationId xmlns:a16="http://schemas.microsoft.com/office/drawing/2014/main" id="{AD3F5330-6336-4453-9C78-4EB92C37DABC}"/>
               </a:ext>
             </a:extLst>
           </p:cNvPr>
@@ -3942,50 +4139,198 @@
         </p:nvSpPr>
         <p:spPr>
           <a:xfrm>
-            <a:off x="598616" y="3756002"/>
-            <a:ext cx="1752221" cy="1200329"/>
+            <a:off x="2881745" y="1323879"/>
+            <a:ext cx="1228436" cy="1228436"/>
           </a:xfrm>
-          <a:prstGeom prst="rect">
+          <a:prstGeom prst="roundRect">
             <a:avLst/>
           </a:prstGeom>
+          <a:solidFill>
+            <a:schemeClr val="accent1">
+              <a:lumMod val="75000"/>
+            </a:schemeClr>
+          </a:solidFill>
+          <a:ln>
+            <a:noFill/>
+          </a:ln>
         </p:spPr>
-        <p:txBody>
-          <a:bodyPr wrap="square">
-            <a:spAutoFit/>
-          </a:bodyPr>
+        <p:style>
+          <a:lnRef idx="2">
+            <a:schemeClr val="accent1">
+              <a:shade val="50000"/>
+            </a:schemeClr>
+          </a:lnRef>
+          <a:fillRef idx="1">
+            <a:schemeClr val="accent1"/>
+          </a:fillRef>
+          <a:effectRef idx="0">
+            <a:schemeClr val="accent1"/>
+          </a:effectRef>
+          <a:fontRef idx="minor">
+            <a:schemeClr val="lt1"/>
+          </a:fontRef>
+        </p:style>
+        <p:txBody>
+          <a:bodyPr rtlCol="0" anchor="ctr"/>
           <a:lstStyle/>
           <a:p>
             <a:pPr algn="ctr"/>
             <a:r>
-              <a:rPr lang="zh-CN" altLang="en-US" sz="7200" b="1" kern="600" spc="-300" dirty="0">
-                <a:ln w="10160">
+              <a:rPr lang="zh-CN" altLang="en-US" sz="8000" b="1" dirty="0">
+                <a:solidFill>
+                  <a:schemeClr val="bg1"/>
+                </a:solidFill>
+                <a:latin typeface="微软雅黑" panose="020B0503020204020204" pitchFamily="34" charset="-122"/>
+                <a:ea typeface="微软雅黑" panose="020B0503020204020204" pitchFamily="34" charset="-122"/>
+              </a:rPr>
+              <a:t>英</a:t>
+            </a:r>
+          </a:p>
+        </p:txBody>
+      </p:sp>
+      <mc:AlternateContent xmlns:mc="http://schemas.openxmlformats.org/markup-compatibility/2006">
+        <mc:Choice xmlns:a14="http://schemas.microsoft.com/office/drawing/2010/main" Requires="a14">
+          <p:sp>
+            <p:nvSpPr>
+              <p:cNvPr id="4" name="矩形: 圆角 3">
+                <a:extLst>
+                  <a:ext uri="{FF2B5EF4-FFF2-40B4-BE49-F238E27FC236}">
+                    <a16:creationId xmlns:a16="http://schemas.microsoft.com/office/drawing/2014/main" id="{010ADDBD-E849-46C2-8379-398E30F1E363}"/>
+                  </a:ext>
+                </a:extLst>
+              </p:cNvPr>
+              <p:cNvSpPr/>
+              <p:nvPr/>
+            </p:nvSpPr>
+            <p:spPr>
+              <a:xfrm>
+                <a:off x="4544290" y="1366982"/>
+                <a:ext cx="1228436" cy="1228436"/>
+              </a:xfrm>
+              <a:prstGeom prst="roundRect">
+                <a:avLst/>
+              </a:prstGeom>
+              <a:solidFill>
+                <a:schemeClr val="accent1">
+                  <a:lumMod val="75000"/>
+                </a:schemeClr>
+              </a:solidFill>
+              <a:ln>
+                <a:noFill/>
+              </a:ln>
+            </p:spPr>
+            <p:style>
+              <a:lnRef idx="2">
+                <a:schemeClr val="accent1">
+                  <a:shade val="50000"/>
+                </a:schemeClr>
+              </a:lnRef>
+              <a:fillRef idx="1">
+                <a:schemeClr val="accent1"/>
+              </a:fillRef>
+              <a:effectRef idx="0">
+                <a:schemeClr val="accent1"/>
+              </a:effectRef>
+              <a:fontRef idx="minor">
+                <a:schemeClr val="lt1"/>
+              </a:fontRef>
+            </p:style>
+            <p:txBody>
+              <a:bodyPr rtlCol="0" anchor="ctr"/>
+              <a:lstStyle/>
+              <a:p>
+                <a:pPr algn="ctr"/>
+                <a14:m>
+                  <m:oMathPara xmlns:m="http://schemas.openxmlformats.org/officeDocument/2006/math">
+                    <m:oMathParaPr>
+                      <m:jc m:val="centerGroup"/>
+                    </m:oMathParaPr>
+                    <m:oMath xmlns:m="http://schemas.openxmlformats.org/officeDocument/2006/math">
+                      <m:r>
+                        <a:rPr lang="en-US" altLang="zh-CN" sz="11500" b="0" i="1" smtClean="0">
+                          <a:solidFill>
+                            <a:schemeClr val="tx1"/>
+                          </a:solidFill>
+                          <a:latin typeface="Cambria Math" panose="02040503050406030204" pitchFamily="18" charset="0"/>
+                        </a:rPr>
+                        <m:t> </m:t>
+                      </m:r>
+                      <m:r>
+                        <m:rPr>
+                          <m:sty m:val="p"/>
+                        </m:rPr>
+                        <a:rPr lang="zh-CN" altLang="en-US" sz="11500" b="0" i="0" smtClean="0">
+                          <a:solidFill>
+                            <a:schemeClr val="bg1"/>
+                          </a:solidFill>
+                          <a:latin typeface="Cambria Math" panose="02040503050406030204" pitchFamily="18" charset="0"/>
+                        </a:rPr>
+                        <m:t>λ</m:t>
+                      </m:r>
+                    </m:oMath>
+                  </m:oMathPara>
+                </a14:m>
+                <a:endParaRPr lang="zh-CN" altLang="en-US" sz="4800" dirty="0">
                   <a:solidFill>
-                    <a:schemeClr val="accent5"/>
+                    <a:schemeClr val="tx1"/>
                   </a:solidFill>
-                  <a:prstDash val="solid"/>
-                </a:ln>
-                <a:solidFill>
-                  <a:srgbClr val="FFFFFF"/>
-                </a:solidFill>
-                <a:effectLst>
-                  <a:outerShdw blurRad="38100" dist="22860" dir="5400000" algn="tl" rotWithShape="0">
-                    <a:srgbClr val="000000">
-                      <a:alpha val="30000"/>
-                    </a:srgbClr>
-                  </a:outerShdw>
-                </a:effectLst>
-                <a:latin typeface="Microsoft YaHei" panose="020B0503020204020204" pitchFamily="34" charset="-122"/>
-                <a:ea typeface="Microsoft YaHei" panose="020B0503020204020204" pitchFamily="34" charset="-122"/>
-              </a:rPr>
-              <a:t>域</a:t>
-            </a:r>
-          </a:p>
-        </p:txBody>
-      </p:sp>
+                </a:endParaRPr>
+              </a:p>
+            </p:txBody>
+          </p:sp>
+        </mc:Choice>
+        <mc:Fallback>
+          <p:sp>
+            <p:nvSpPr>
+              <p:cNvPr id="4" name="矩形: 圆角 3">
+                <a:extLst>
+                  <a:ext uri="{FF2B5EF4-FFF2-40B4-BE49-F238E27FC236}">
+                    <a16:creationId xmlns:a16="http://schemas.microsoft.com/office/drawing/2014/main" id="{010ADDBD-E849-46C2-8379-398E30F1E363}"/>
+                  </a:ext>
+                </a:extLst>
+              </p:cNvPr>
+              <p:cNvSpPr>
+                <a:spLocks noRot="1" noChangeAspect="1" noMove="1" noResize="1" noEditPoints="1" noAdjustHandles="1" noChangeArrowheads="1" noChangeShapeType="1" noTextEdit="1"/>
+              </p:cNvSpPr>
+              <p:nvPr/>
+            </p:nvSpPr>
+            <p:spPr>
+              <a:xfrm>
+                <a:off x="4544290" y="1366982"/>
+                <a:ext cx="1228436" cy="1228436"/>
+              </a:xfrm>
+              <a:prstGeom prst="roundRect">
+                <a:avLst/>
+              </a:prstGeom>
+              <a:blipFill>
+                <a:blip r:embed="rId2"/>
+                <a:stretch>
+                  <a:fillRect/>
+                </a:stretch>
+              </a:blipFill>
+              <a:ln>
+                <a:noFill/>
+              </a:ln>
+            </p:spPr>
+            <p:txBody>
+              <a:bodyPr/>
+              <a:lstStyle/>
+              <a:p>
+                <a:r>
+                  <a:rPr lang="zh-CN" altLang="en-US">
+                    <a:noFill/>
+                  </a:rPr>
+                  <a:t> </a:t>
+                </a:r>
+              </a:p>
+            </p:txBody>
+          </p:sp>
+        </mc:Fallback>
+      </mc:AlternateContent>
     </p:spTree>
     <p:extLst>
       <p:ext uri="{BB962C8B-B14F-4D97-AF65-F5344CB8AC3E}">
-        <p14:creationId xmlns:p14="http://schemas.microsoft.com/office/powerpoint/2010/main" val="552086539"/>
+        <p14:creationId xmlns:p14="http://schemas.microsoft.com/office/powerpoint/2010/main" val="768508235"/>
       </p:ext>
     </p:extLst>
   </p:cSld>
